--- a/Presentaion.pptx
+++ b/Presentaion.pptx
@@ -630,10 +630,7 @@
           <a:bodyPr/>
           <a:lstStyle/>
           <a:p>
-            <a:r>
-              <a:rPr lang="en-US" dirty="0"/>
-              <a:t>Where did this idea came from?</a:t>
-            </a:r>
+            <a:endParaRPr lang="en-US" dirty="0"/>
           </a:p>
         </p:txBody>
       </p:sp>
@@ -5386,6 +5383,143 @@
           </a:p>
         </p:txBody>
       </p:sp>
+      <p:sp>
+        <p:nvSpPr>
+          <p:cNvPr id="9" name="Footer Placeholder 17">
+            <a:extLst>
+              <a:ext uri="{FF2B5EF4-FFF2-40B4-BE49-F238E27FC236}">
+                <a16:creationId xmlns:a16="http://schemas.microsoft.com/office/drawing/2014/main" id="{1AB5CB32-2569-4914-BDFA-AAA986744749}"/>
+              </a:ext>
+            </a:extLst>
+          </p:cNvPr>
+          <p:cNvSpPr txBox="1">
+            <a:spLocks/>
+          </p:cNvSpPr>
+          <p:nvPr/>
+        </p:nvSpPr>
+        <p:spPr>
+          <a:xfrm>
+            <a:off x="5686536" y="6158630"/>
+            <a:ext cx="6029419" cy="365125"/>
+          </a:xfrm>
+          <a:prstGeom prst="rect">
+            <a:avLst/>
+          </a:prstGeom>
+        </p:spPr>
+        <p:txBody>
+          <a:bodyPr vert="horz" lIns="91440" tIns="45720" rIns="91440" bIns="45720" rtlCol="0" anchor="ctr"/>
+          <a:lstStyle>
+            <a:defPPr>
+              <a:defRPr lang="en-US"/>
+            </a:defPPr>
+            <a:lvl1pPr algn="r">
+              <a:defRPr lang="en-US" sz="1200">
+                <a:solidFill>
+                  <a:schemeClr val="accent6">
+                    <a:lumMod val="75000"/>
+                  </a:schemeClr>
+                </a:solidFill>
+                <a:latin typeface="Roboto Light" panose="02000000000000000000" pitchFamily="2" charset="0"/>
+                <a:ea typeface="Roboto Light" panose="02000000000000000000" pitchFamily="2" charset="0"/>
+              </a:defRPr>
+            </a:lvl1pPr>
+            <a:lvl2pPr marL="457200" algn="l" defTabSz="914400" rtl="0" eaLnBrk="1" latinLnBrk="0" hangingPunct="1">
+              <a:defRPr sz="1800" kern="1200">
+                <a:solidFill>
+                  <a:schemeClr val="tx1"/>
+                </a:solidFill>
+                <a:latin typeface="+mn-lt"/>
+                <a:ea typeface="+mn-ea"/>
+                <a:cs typeface="+mn-cs"/>
+              </a:defRPr>
+            </a:lvl2pPr>
+            <a:lvl3pPr marL="914400" algn="l" defTabSz="914400" rtl="0" eaLnBrk="1" latinLnBrk="0" hangingPunct="1">
+              <a:defRPr sz="1800" kern="1200">
+                <a:solidFill>
+                  <a:schemeClr val="tx1"/>
+                </a:solidFill>
+                <a:latin typeface="+mn-lt"/>
+                <a:ea typeface="+mn-ea"/>
+                <a:cs typeface="+mn-cs"/>
+              </a:defRPr>
+            </a:lvl3pPr>
+            <a:lvl4pPr marL="1371600" algn="l" defTabSz="914400" rtl="0" eaLnBrk="1" latinLnBrk="0" hangingPunct="1">
+              <a:defRPr sz="1800" kern="1200">
+                <a:solidFill>
+                  <a:schemeClr val="tx1"/>
+                </a:solidFill>
+                <a:latin typeface="+mn-lt"/>
+                <a:ea typeface="+mn-ea"/>
+                <a:cs typeface="+mn-cs"/>
+              </a:defRPr>
+            </a:lvl4pPr>
+            <a:lvl5pPr marL="1828800" algn="l" defTabSz="914400" rtl="0" eaLnBrk="1" latinLnBrk="0" hangingPunct="1">
+              <a:defRPr sz="1800" kern="1200">
+                <a:solidFill>
+                  <a:schemeClr val="tx1"/>
+                </a:solidFill>
+                <a:latin typeface="+mn-lt"/>
+                <a:ea typeface="+mn-ea"/>
+                <a:cs typeface="+mn-cs"/>
+              </a:defRPr>
+            </a:lvl5pPr>
+            <a:lvl6pPr marL="2286000" algn="l" defTabSz="914400" rtl="0" eaLnBrk="1" latinLnBrk="0" hangingPunct="1">
+              <a:defRPr sz="1800" kern="1200">
+                <a:solidFill>
+                  <a:schemeClr val="tx1"/>
+                </a:solidFill>
+                <a:latin typeface="+mn-lt"/>
+                <a:ea typeface="+mn-ea"/>
+                <a:cs typeface="+mn-cs"/>
+              </a:defRPr>
+            </a:lvl6pPr>
+            <a:lvl7pPr marL="2743200" algn="l" defTabSz="914400" rtl="0" eaLnBrk="1" latinLnBrk="0" hangingPunct="1">
+              <a:defRPr sz="1800" kern="1200">
+                <a:solidFill>
+                  <a:schemeClr val="tx1"/>
+                </a:solidFill>
+                <a:latin typeface="+mn-lt"/>
+                <a:ea typeface="+mn-ea"/>
+                <a:cs typeface="+mn-cs"/>
+              </a:defRPr>
+            </a:lvl7pPr>
+            <a:lvl8pPr marL="3200400" algn="l" defTabSz="914400" rtl="0" eaLnBrk="1" latinLnBrk="0" hangingPunct="1">
+              <a:defRPr sz="1800" kern="1200">
+                <a:solidFill>
+                  <a:schemeClr val="tx1"/>
+                </a:solidFill>
+                <a:latin typeface="+mn-lt"/>
+                <a:ea typeface="+mn-ea"/>
+                <a:cs typeface="+mn-cs"/>
+              </a:defRPr>
+            </a:lvl8pPr>
+            <a:lvl9pPr marL="3657600" algn="l" defTabSz="914400" rtl="0" eaLnBrk="1" latinLnBrk="0" hangingPunct="1">
+              <a:defRPr sz="1800" kern="1200">
+                <a:solidFill>
+                  <a:schemeClr val="tx1"/>
+                </a:solidFill>
+                <a:latin typeface="+mn-lt"/>
+                <a:ea typeface="+mn-ea"/>
+                <a:cs typeface="+mn-cs"/>
+              </a:defRPr>
+            </a:lvl9pPr>
+          </a:lstStyle>
+          <a:p>
+            <a:r>
+              <a:rPr lang="en-US" dirty="0"/>
+              <a:t>© 2020 Xuanao Zhao, Ryan Cheah, Yong Liang Poo, </a:t>
+            </a:r>
+            <a:r>
+              <a:rPr lang="en-US" dirty="0" err="1"/>
+              <a:t>Tiew</a:t>
+            </a:r>
+            <a:r>
+              <a:rPr lang="en-US" dirty="0"/>
+              <a:t> Shou Cheng.</a:t>
+            </a:r>
+          </a:p>
+        </p:txBody>
+      </p:sp>
     </p:spTree>
     <p:extLst>
       <p:ext uri="{BB962C8B-B14F-4D97-AF65-F5344CB8AC3E}">
@@ -6168,7 +6302,7 @@
         </p:nvSpPr>
         <p:spPr>
           <a:xfrm>
-            <a:off x="5178856" y="2373116"/>
+            <a:off x="5135736" y="2103862"/>
             <a:ext cx="5869019" cy="3702564"/>
           </a:xfrm>
           <a:prstGeom prst="rect">
@@ -6230,8 +6364,8 @@
         </p:nvGrpSpPr>
         <p:grpSpPr>
           <a:xfrm>
-            <a:off x="5473434" y="2760125"/>
-            <a:ext cx="6268065" cy="1080217"/>
+            <a:off x="5430315" y="2490871"/>
+            <a:ext cx="5418086" cy="1080217"/>
             <a:chOff x="4655574" y="1862858"/>
             <a:chExt cx="6268065" cy="1080217"/>
           </a:xfrm>
@@ -6361,8 +6495,8 @@
         </p:nvGrpSpPr>
         <p:grpSpPr>
           <a:xfrm>
-            <a:off x="5473434" y="3979030"/>
-            <a:ext cx="6268065" cy="803218"/>
+            <a:off x="5430315" y="3709776"/>
+            <a:ext cx="5418086" cy="803218"/>
             <a:chOff x="4655574" y="1862858"/>
             <a:chExt cx="6268065" cy="803218"/>
           </a:xfrm>
@@ -6559,8 +6693,8 @@
         </p:nvGrpSpPr>
         <p:grpSpPr>
           <a:xfrm>
-            <a:off x="5473434" y="4900051"/>
-            <a:ext cx="6268065" cy="803218"/>
+            <a:off x="5430315" y="4630797"/>
+            <a:ext cx="5418086" cy="803218"/>
             <a:chOff x="4655574" y="1862858"/>
             <a:chExt cx="6268065" cy="803218"/>
           </a:xfrm>

--- a/Presentaion.pptx
+++ b/Presentaion.pptx
@@ -630,7 +630,10 @@
           <a:bodyPr/>
           <a:lstStyle/>
           <a:p>
-            <a:endParaRPr lang="en-US" dirty="0"/>
+            <a:r>
+              <a:rPr lang="en-US" dirty="0"/>
+              <a:t>Where did this idea came from?</a:t>
+            </a:r>
           </a:p>
         </p:txBody>
       </p:sp>
@@ -2698,7 +2701,7 @@
         </p:nvSpPr>
         <p:spPr>
           <a:xfrm>
-            <a:off x="4486502" y="525896"/>
+            <a:off x="4155218" y="525896"/>
             <a:ext cx="6164826" cy="1225762"/>
           </a:xfrm>
         </p:spPr>
